--- a/ggplot_introduction/slide.pptx
+++ b/ggplot_introduction/slide.pptx
@@ -3213,7 +3213,7 @@
             </a:pPr>
             <a:r>
               <a:rPr/>
-              <a:t>2019-10-18</a:t>
+              <a:t>2019-11-04</a:t>
             </a:r>
           </a:p>
         </p:txBody>
